--- a/DsDotNet/src/UnitTest/UnitTest.Model/ImportOfficeExample/Sample/Main.pptx
+++ b/DsDotNet/src/UnitTest/UnitTest.Model/ImportOfficeExample/Sample/Main.pptx
@@ -4191,7 +4191,7 @@
           <a:p>
             <a:fld id="{3E1D827B-9946-4E0D-97BA-FFCB17A9AF00}" type="datetimeFigureOut">
               <a:rPr lang="ko-KR" altLang="en-US" smtClean="0"/>
-              <a:t>2022-12-20</a:t>
+              <a:t>2023-09-03</a:t>
             </a:fld>
             <a:endParaRPr lang="ko-KR" altLang="en-US"/>
           </a:p>
@@ -4509,7 +4509,7 @@
           <a:p>
             <a:fld id="{3E1D827B-9946-4E0D-97BA-FFCB17A9AF00}" type="datetimeFigureOut">
               <a:rPr lang="ko-KR" altLang="en-US" smtClean="0"/>
-              <a:t>2022-12-20</a:t>
+              <a:t>2023-09-03</a:t>
             </a:fld>
             <a:endParaRPr lang="ko-KR" altLang="en-US"/>
           </a:p>
@@ -4997,7 +4997,7 @@
           <a:p>
             <a:fld id="{3E1D827B-9946-4E0D-97BA-FFCB17A9AF00}" type="datetimeFigureOut">
               <a:rPr lang="ko-KR" altLang="en-US" smtClean="0"/>
-              <a:t>2022-12-20</a:t>
+              <a:t>2023-09-03</a:t>
             </a:fld>
             <a:endParaRPr lang="ko-KR" altLang="en-US"/>
           </a:p>
@@ -5366,7 +5366,7 @@
           <a:p>
             <a:fld id="{3E1D827B-9946-4E0D-97BA-FFCB17A9AF00}" type="datetimeFigureOut">
               <a:rPr lang="ko-KR" altLang="en-US" smtClean="0"/>
-              <a:t>2022-12-20</a:t>
+              <a:t>2023-09-03</a:t>
             </a:fld>
             <a:endParaRPr lang="ko-KR" altLang="en-US"/>
           </a:p>
@@ -5639,7 +5639,7 @@
           <a:p>
             <a:fld id="{3E1D827B-9946-4E0D-97BA-FFCB17A9AF00}" type="datetimeFigureOut">
               <a:rPr lang="ko-KR" altLang="en-US" smtClean="0"/>
-              <a:t>2022-12-20</a:t>
+              <a:t>2023-09-03</a:t>
             </a:fld>
             <a:endParaRPr lang="ko-KR" altLang="en-US"/>
           </a:p>
@@ -5924,7 +5924,7 @@
           <a:p>
             <a:fld id="{3E1D827B-9946-4E0D-97BA-FFCB17A9AF00}" type="datetimeFigureOut">
               <a:rPr lang="ko-KR" altLang="en-US" smtClean="0"/>
-              <a:t>2022-12-20</a:t>
+              <a:t>2023-09-03</a:t>
             </a:fld>
             <a:endParaRPr lang="ko-KR" altLang="en-US"/>
           </a:p>
@@ -6019,7 +6019,7 @@
           <a:p>
             <a:fld id="{3E1D827B-9946-4E0D-97BA-FFCB17A9AF00}" type="datetimeFigureOut">
               <a:rPr lang="ko-KR" altLang="en-US" smtClean="0"/>
-              <a:t>2022-12-20</a:t>
+              <a:t>2023-09-03</a:t>
             </a:fld>
             <a:endParaRPr lang="ko-KR" altLang="en-US"/>
           </a:p>
@@ -6372,7 +6372,7 @@
           <a:p>
             <a:fld id="{3E1D827B-9946-4E0D-97BA-FFCB17A9AF00}" type="datetimeFigureOut">
               <a:rPr lang="ko-KR" altLang="en-US" smtClean="0"/>
-              <a:t>2022-12-20</a:t>
+              <a:t>2023-09-03</a:t>
             </a:fld>
             <a:endParaRPr lang="ko-KR" altLang="en-US"/>
           </a:p>
@@ -6715,7 +6715,7 @@
           <a:p>
             <a:fld id="{3E1D827B-9946-4E0D-97BA-FFCB17A9AF00}" type="datetimeFigureOut">
               <a:rPr lang="ko-KR" altLang="en-US" smtClean="0"/>
-              <a:t>2022-12-20</a:t>
+              <a:t>2023-09-03</a:t>
             </a:fld>
             <a:endParaRPr lang="ko-KR" altLang="en-US"/>
           </a:p>
@@ -7054,7 +7054,7 @@
           <a:p>
             <a:fld id="{3E1D827B-9946-4E0D-97BA-FFCB17A9AF00}" type="datetimeFigureOut">
               <a:rPr lang="ko-KR" altLang="en-US" smtClean="0"/>
-              <a:t>2022-12-20</a:t>
+              <a:t>2023-09-03</a:t>
             </a:fld>
             <a:endParaRPr lang="ko-KR" altLang="en-US"/>
           </a:p>
@@ -7536,7 +7536,7 @@
           <a:p>
             <a:fld id="{3E1D827B-9946-4E0D-97BA-FFCB17A9AF00}" type="datetimeFigureOut">
               <a:rPr lang="ko-KR" altLang="en-US" smtClean="0"/>
-              <a:t>2022-12-20</a:t>
+              <a:t>2023-09-03</a:t>
             </a:fld>
             <a:endParaRPr lang="ko-KR" altLang="en-US"/>
           </a:p>
@@ -7762,7 +7762,7 @@
           <a:p>
             <a:fld id="{3E1D827B-9946-4E0D-97BA-FFCB17A9AF00}" type="datetimeFigureOut">
               <a:rPr lang="ko-KR" altLang="en-US" smtClean="0"/>
-              <a:t>2022-12-20</a:t>
+              <a:t>2023-09-03</a:t>
             </a:fld>
             <a:endParaRPr lang="ko-KR" altLang="en-US"/>
           </a:p>
@@ -7857,7 +7857,7 @@
           <a:p>
             <a:fld id="{3E1D827B-9946-4E0D-97BA-FFCB17A9AF00}" type="datetimeFigureOut">
               <a:rPr lang="ko-KR" altLang="en-US" smtClean="0"/>
-              <a:t>2022-12-20</a:t>
+              <a:t>2023-09-03</a:t>
             </a:fld>
             <a:endParaRPr lang="ko-KR" altLang="en-US"/>
           </a:p>
@@ -8324,7 +8324,7 @@
           <a:p>
             <a:fld id="{3E1D827B-9946-4E0D-97BA-FFCB17A9AF00}" type="datetimeFigureOut">
               <a:rPr lang="ko-KR" altLang="en-US" smtClean="0"/>
-              <a:t>2022-12-20</a:t>
+              <a:t>2023-09-03</a:t>
             </a:fld>
             <a:endParaRPr lang="ko-KR" altLang="en-US"/>
           </a:p>
@@ -8642,7 +8642,7 @@
           <a:p>
             <a:fld id="{3E1D827B-9946-4E0D-97BA-FFCB17A9AF00}" type="datetimeFigureOut">
               <a:rPr lang="ko-KR" altLang="en-US" smtClean="0"/>
-              <a:t>2022-12-20</a:t>
+              <a:t>2023-09-03</a:t>
             </a:fld>
             <a:endParaRPr lang="ko-KR" altLang="en-US"/>
           </a:p>
@@ -8912,7 +8912,7 @@
           <a:p>
             <a:fld id="{3E1D827B-9946-4E0D-97BA-FFCB17A9AF00}" type="datetimeFigureOut">
               <a:rPr lang="ko-KR" altLang="en-US" smtClean="0"/>
-              <a:t>2022-12-20</a:t>
+              <a:t>2023-09-03</a:t>
             </a:fld>
             <a:endParaRPr lang="ko-KR" altLang="en-US"/>
           </a:p>
@@ -9678,7 +9678,7 @@
                   <a:latin typeface="맑은 고딕" panose="020F0502020204030204"/>
                   <a:ea typeface="맑은 고딕" panose="020B0503020000020004" pitchFamily="50" charset="-127"/>
                 </a:rPr>
-                <a:t>Conv $GO</a:t>
+                <a:t>Conv $MOVE</a:t>
               </a:r>
             </a:p>
           </p:txBody>
@@ -10229,15 +10229,15 @@
           </p:cNvPr>
           <p:cNvCxnSpPr>
             <a:cxnSpLocks/>
-            <a:stCxn id="11" idx="4"/>
+            <a:stCxn id="12" idx="2"/>
             <a:endCxn id="148" idx="0"/>
           </p:cNvCxnSpPr>
           <p:nvPr/>
         </p:nvCxnSpPr>
         <p:spPr>
           <a:xfrm rot="5400000">
-            <a:off x="5812458" y="3226746"/>
-            <a:ext cx="726227" cy="437128"/>
+            <a:off x="5699305" y="2678303"/>
+            <a:ext cx="1387823" cy="872418"/>
           </a:xfrm>
           <a:prstGeom prst="bentConnector3">
             <a:avLst>
@@ -11466,7 +11466,7 @@
                   <a:latin typeface="맑은 고딕" panose="020F0502020204030204"/>
                   <a:ea typeface="맑은 고딕" panose="020B0503020000020004" pitchFamily="50" charset="-127"/>
                 </a:rPr>
-                <a:t>Conv $</a:t>
+                <a:t>Conv$</a:t>
               </a:r>
               <a:endParaRPr lang="en-US" altLang="ko-KR" sz="600" b="1" dirty="0">
                 <a:solidFill>
@@ -11486,7 +11486,7 @@
                   <a:latin typeface="맑은 고딕" panose="020F0502020204030204"/>
                   <a:ea typeface="맑은 고딕" panose="020B0503020000020004" pitchFamily="50" charset="-127"/>
                 </a:rPr>
-                <a:t>PARTOFF</a:t>
+                <a:t>REMOVE</a:t>
               </a:r>
             </a:p>
           </p:txBody>
@@ -12125,74 +12125,6 @@
       </p:grpSp>
       <p:sp>
         <p:nvSpPr>
-          <p:cNvPr id="11" name="타원 10">
-            <a:extLst>
-              <a:ext uri="{FF2B5EF4-FFF2-40B4-BE49-F238E27FC236}">
-                <a16:creationId xmlns:a16="http://schemas.microsoft.com/office/drawing/2014/main" id="{D1B72FA2-644C-42BC-2F5D-DD9D2CEE48D6}"/>
-              </a:ext>
-            </a:extLst>
-          </p:cNvPr>
-          <p:cNvSpPr/>
-          <p:nvPr/>
-        </p:nvSpPr>
-        <p:spPr>
-          <a:xfrm>
-            <a:off x="5723548" y="2644158"/>
-            <a:ext cx="1341174" cy="438039"/>
-          </a:xfrm>
-          <a:prstGeom prst="ellipse">
-            <a:avLst/>
-          </a:prstGeom>
-          <a:noFill/>
-          <a:ln/>
-        </p:spPr>
-        <p:style>
-          <a:lnRef idx="2">
-            <a:schemeClr val="accent4"/>
-          </a:lnRef>
-          <a:fillRef idx="1">
-            <a:schemeClr val="lt1"/>
-          </a:fillRef>
-          <a:effectRef idx="0">
-            <a:schemeClr val="accent4"/>
-          </a:effectRef>
-          <a:fontRef idx="minor">
-            <a:schemeClr val="dk1"/>
-          </a:fontRef>
-        </p:style>
-        <p:txBody>
-          <a:bodyPr rtlCol="0" anchor="ctr"/>
-          <a:lstStyle/>
-          <a:p>
-            <a:pPr algn="ctr" defTabSz="914400" latinLnBrk="1"/>
-            <a:r>
-              <a:rPr lang="en-US" altLang="ko-KR" sz="900" b="1" dirty="0">
-                <a:solidFill>
-                  <a:schemeClr val="tx1"/>
-                </a:solidFill>
-                <a:latin typeface="맑은 고딕" panose="020F0502020204030204"/>
-                <a:ea typeface="맑은 고딕" panose="020B0503020000020004" pitchFamily="50" charset="-127"/>
-              </a:rPr>
-              <a:t>sys2$</a:t>
-            </a:r>
-          </a:p>
-          <a:p>
-            <a:pPr algn="ctr" defTabSz="914400" latinLnBrk="1"/>
-            <a:r>
-              <a:rPr lang="en-US" altLang="ko-KR" sz="900" b="1" dirty="0">
-                <a:solidFill>
-                  <a:schemeClr val="tx1"/>
-                </a:solidFill>
-                <a:latin typeface="맑은 고딕" panose="020F0502020204030204"/>
-                <a:ea typeface="맑은 고딕" panose="020B0503020000020004" pitchFamily="50" charset="-127"/>
-              </a:rPr>
-              <a:t>SUBDONE</a:t>
-            </a:r>
-          </a:p>
-        </p:txBody>
-      </p:sp>
-      <p:sp>
-        <p:nvSpPr>
           <p:cNvPr id="19" name="화살표: 오각형 18">
             <a:extLst>
               <a:ext uri="{FF2B5EF4-FFF2-40B4-BE49-F238E27FC236}">
@@ -12753,6 +12685,86 @@
               <a:t>[sys2]</a:t>
             </a:r>
             <a:endParaRPr lang="ko-KR" altLang="en-US" sz="1200" dirty="0"/>
+          </a:p>
+        </p:txBody>
+      </p:sp>
+      <p:sp>
+        <p:nvSpPr>
+          <p:cNvPr id="12" name="직사각형 11">
+            <a:extLst>
+              <a:ext uri="{FF2B5EF4-FFF2-40B4-BE49-F238E27FC236}">
+                <a16:creationId xmlns:a16="http://schemas.microsoft.com/office/drawing/2014/main" id="{1F82F3B2-FF10-7F44-3E2B-C3140624DB0F}"/>
+              </a:ext>
+            </a:extLst>
+          </p:cNvPr>
+          <p:cNvSpPr/>
+          <p:nvPr/>
+        </p:nvSpPr>
+        <p:spPr>
+          <a:xfrm>
+            <a:off x="6385115" y="2082072"/>
+            <a:ext cx="888619" cy="338529"/>
+          </a:xfrm>
+          <a:prstGeom prst="rect">
+            <a:avLst/>
+          </a:prstGeom>
+          <a:solidFill>
+            <a:schemeClr val="accent1">
+              <a:alpha val="14000"/>
+            </a:schemeClr>
+          </a:solidFill>
+          <a:ln w="9525" cap="flat" cmpd="sng" algn="ctr">
+            <a:solidFill>
+              <a:schemeClr val="accent3"/>
+            </a:solidFill>
+            <a:prstDash val="solid"/>
+            <a:round/>
+            <a:headEnd type="none" w="med" len="med"/>
+            <a:tailEnd type="none" w="med" len="med"/>
+          </a:ln>
+        </p:spPr>
+        <p:style>
+          <a:lnRef idx="0">
+            <a:scrgbClr r="0" g="0" b="0"/>
+          </a:lnRef>
+          <a:fillRef idx="0">
+            <a:scrgbClr r="0" g="0" b="0"/>
+          </a:fillRef>
+          <a:effectRef idx="0">
+            <a:scrgbClr r="0" g="0" b="0"/>
+          </a:effectRef>
+          <a:fontRef idx="minor">
+            <a:schemeClr val="accent3"/>
+          </a:fontRef>
+        </p:style>
+        <p:txBody>
+          <a:bodyPr rtlCol="0" anchor="t"/>
+          <a:lstStyle/>
+          <a:p>
+            <a:pPr algn="ctr" defTabSz="914400" latinLnBrk="1"/>
+            <a:r>
+              <a:rPr lang="en-US" altLang="ko-KR" sz="900" b="1" dirty="0">
+                <a:solidFill>
+                  <a:schemeClr val="tx1"/>
+                </a:solidFill>
+                <a:latin typeface="맑은 고딕" panose="020F0502020204030204"/>
+                <a:ea typeface="맑은 고딕" panose="020B0503020000020004" pitchFamily="50" charset="-127"/>
+              </a:rPr>
+              <a:t>sys2$</a:t>
+            </a:r>
+          </a:p>
+          <a:p>
+            <a:pPr algn="ctr" defTabSz="914400" latinLnBrk="1"/>
+            <a:r>
+              <a:rPr lang="en-US" altLang="ko-KR" sz="900" b="1" dirty="0">
+                <a:solidFill>
+                  <a:schemeClr val="tx1"/>
+                </a:solidFill>
+                <a:latin typeface="맑은 고딕" panose="020F0502020204030204"/>
+                <a:ea typeface="맑은 고딕" panose="020B0503020000020004" pitchFamily="50" charset="-127"/>
+              </a:rPr>
+              <a:t>SUBDONE</a:t>
+            </a:r>
           </a:p>
         </p:txBody>
       </p:sp>
